--- a/presentation/sicherheits_an.pptx
+++ b/presentation/sicherheits_an.pptx
@@ -199,6 +199,10 @@
 </p:presentation>
 </file>
 
+<file path=ppt/revisionInfo.xml><?xml version="1.0" encoding="utf-8"?>
+<p1510:revInfo xmlns:a="http://schemas.openxmlformats.org/drawingml/2006/main" xmlns:r="http://schemas.openxmlformats.org/officeDocument/2006/relationships" xmlns:p1510="http://schemas.microsoft.com/office/powerpoint/2015/10/main"/>
+</file>
+
 <file path=ppt/handoutMasters/handoutMaster1.xml><?xml version="1.0" encoding="utf-8"?>
 <p:handoutMaster xmlns:a="http://schemas.openxmlformats.org/drawingml/2006/main" xmlns:r="http://schemas.openxmlformats.org/officeDocument/2006/relationships" xmlns:p="http://schemas.openxmlformats.org/presentationml/2006/main">
   <p:cSld>
@@ -2021,425 +2025,73 @@
           <a:bodyPr/>
           <a:lstStyle/>
           <a:p>
-            <a:r>
-              <a:rPr lang="en-US" sz="1200" b="0" i="0" u="none" strike="noStrike" kern="1200" baseline="0" dirty="0">
-                <a:solidFill>
-                  <a:schemeClr val="tx1"/>
-                </a:solidFill>
-                <a:latin typeface="Arial" charset="0"/>
-                <a:ea typeface="+mn-ea"/>
-                <a:cs typeface="+mn-cs"/>
-              </a:rPr>
-              <a:t>Let Table VIII(a) be the first release </a:t>
-            </a:r>
-            <a:r>
-              <a:rPr lang="en-US" sz="1200" b="0" i="1" u="none" strike="noStrike" kern="1200" baseline="0" dirty="0">
-                <a:solidFill>
-                  <a:schemeClr val="tx1"/>
-                </a:solidFill>
-                <a:latin typeface="Arial" charset="0"/>
-                <a:ea typeface="+mn-ea"/>
-                <a:cs typeface="+mn-cs"/>
-              </a:rPr>
+            <a:pPr marL="0" marR="0" lvl="0" indent="0" algn="l" defTabSz="914400" rtl="0" eaLnBrk="1" fontAlgn="base" latinLnBrk="0" hangingPunct="1">
+              <a:lnSpc>
+                <a:spcPct val="100000"/>
+              </a:lnSpc>
+              <a:spcBef>
+                <a:spcPct val="30000"/>
+              </a:spcBef>
+              <a:spcAft>
+                <a:spcPct val="0"/>
+              </a:spcAft>
+              <a:buClrTx/>
+              <a:buSzTx/>
+              <a:buFontTx/>
+              <a:buNone/>
+              <a:tabLst/>
+              <a:defRPr/>
+            </a:pPr>
+            <a:r>
+              <a:rPr lang="en-US" dirty="0"/>
+              <a:t>In the model of continuous data publishing, the data publisher has previously published </a:t>
+            </a:r>
+            <a:r>
+              <a:rPr lang="en-US" i="1" dirty="0"/>
               <a:t>T</a:t>
             </a:r>
             <a:r>
-              <a:rPr lang="en-US" sz="1200" b="0" i="0" u="none" strike="noStrike" kern="1200" baseline="0" dirty="0">
-                <a:solidFill>
-                  <a:schemeClr val="tx1"/>
-                </a:solidFill>
-                <a:latin typeface="Arial" charset="0"/>
-                <a:ea typeface="+mn-ea"/>
-                <a:cs typeface="+mn-cs"/>
-              </a:rPr>
-              <a:t>1. Let Table VIII(b) be the</a:t>
-            </a:r>
-          </a:p>
-          <a:p>
-            <a:r>
-              <a:rPr lang="en-US" sz="1200" b="0" i="0" u="none" strike="noStrike" kern="1200" baseline="0" dirty="0">
-                <a:solidFill>
-                  <a:schemeClr val="tx1"/>
-                </a:solidFill>
-                <a:latin typeface="Arial" charset="0"/>
-                <a:ea typeface="+mn-ea"/>
-                <a:cs typeface="+mn-cs"/>
-              </a:rPr>
-              <a:t>second release </a:t>
-            </a:r>
-            <a:r>
-              <a:rPr lang="en-US" sz="1200" b="0" i="1" u="none" strike="noStrike" kern="1200" baseline="0" dirty="0">
-                <a:solidFill>
-                  <a:schemeClr val="tx1"/>
-                </a:solidFill>
-                <a:latin typeface="Arial" charset="0"/>
-                <a:ea typeface="+mn-ea"/>
-                <a:cs typeface="+mn-cs"/>
-              </a:rPr>
-              <a:t>T</a:t>
-            </a:r>
-            <a:r>
-              <a:rPr lang="en-US" sz="1200" b="0" i="0" u="none" strike="noStrike" kern="1200" baseline="0" dirty="0">
-                <a:solidFill>
-                  <a:schemeClr val="tx1"/>
-                </a:solidFill>
-                <a:latin typeface="Arial" charset="0"/>
-                <a:ea typeface="+mn-ea"/>
-                <a:cs typeface="+mn-cs"/>
-              </a:rPr>
-              <a:t>2 after inserting a new record. Both </a:t>
-            </a:r>
-            <a:r>
-              <a:rPr lang="en-US" sz="1200" b="0" i="1" u="none" strike="noStrike" kern="1200" baseline="0" dirty="0">
-                <a:solidFill>
-                  <a:schemeClr val="tx1"/>
-                </a:solidFill>
-                <a:latin typeface="Arial" charset="0"/>
-                <a:ea typeface="+mn-ea"/>
-                <a:cs typeface="+mn-cs"/>
-              </a:rPr>
-              <a:t>T</a:t>
-            </a:r>
-            <a:r>
-              <a:rPr lang="en-US" sz="1200" b="0" i="0" u="none" strike="noStrike" kern="1200" baseline="0" dirty="0">
-                <a:solidFill>
-                  <a:schemeClr val="tx1"/>
-                </a:solidFill>
-                <a:latin typeface="Arial" charset="0"/>
-                <a:ea typeface="+mn-ea"/>
-                <a:cs typeface="+mn-cs"/>
-              </a:rPr>
-              <a:t>1 and </a:t>
-            </a:r>
-            <a:r>
-              <a:rPr lang="en-US" sz="1200" b="0" i="1" u="none" strike="noStrike" kern="1200" baseline="0" dirty="0">
-                <a:solidFill>
-                  <a:schemeClr val="tx1"/>
-                </a:solidFill>
-                <a:latin typeface="Arial" charset="0"/>
-                <a:ea typeface="+mn-ea"/>
-                <a:cs typeface="+mn-cs"/>
-              </a:rPr>
-              <a:t>T</a:t>
-            </a:r>
-            <a:r>
-              <a:rPr lang="en-US" sz="1200" b="0" i="0" u="none" strike="noStrike" kern="1200" baseline="0" dirty="0">
-                <a:solidFill>
-                  <a:schemeClr val="tx1"/>
-                </a:solidFill>
-                <a:latin typeface="Arial" charset="0"/>
-                <a:ea typeface="+mn-ea"/>
-                <a:cs typeface="+mn-cs"/>
-              </a:rPr>
-              <a:t>2 satisfy 2-diversity independently.</a:t>
-            </a:r>
-          </a:p>
-          <a:p>
-            <a:r>
-              <a:rPr lang="en-US" sz="1200" b="0" i="0" u="none" strike="noStrike" kern="1200" baseline="0" dirty="0">
-                <a:solidFill>
-                  <a:schemeClr val="tx1"/>
-                </a:solidFill>
-                <a:latin typeface="Arial" charset="0"/>
-                <a:ea typeface="+mn-ea"/>
-                <a:cs typeface="+mn-cs"/>
-              </a:rPr>
-              <a:t>Suppose the attacker knows that a female lawyer, Alice, has a record in </a:t>
-            </a:r>
-            <a:r>
-              <a:rPr lang="en-US" sz="1200" b="0" i="1" u="none" strike="noStrike" kern="1200" baseline="0" dirty="0">
-                <a:solidFill>
-                  <a:schemeClr val="tx1"/>
-                </a:solidFill>
-                <a:latin typeface="Arial" charset="0"/>
-                <a:ea typeface="+mn-ea"/>
-                <a:cs typeface="+mn-cs"/>
-              </a:rPr>
-              <a:t>T</a:t>
-            </a:r>
-            <a:r>
-              <a:rPr lang="en-US" sz="1200" b="0" i="0" u="none" strike="noStrike" kern="1200" baseline="0" dirty="0">
-                <a:solidFill>
-                  <a:schemeClr val="tx1"/>
-                </a:solidFill>
-                <a:latin typeface="Arial" charset="0"/>
-                <a:ea typeface="+mn-ea"/>
-                <a:cs typeface="+mn-cs"/>
-              </a:rPr>
-              <a:t>2</a:t>
-            </a:r>
-          </a:p>
-          <a:p>
-            <a:r>
-              <a:rPr lang="en-US" sz="1200" b="0" i="0" u="none" strike="noStrike" kern="1200" baseline="0" dirty="0">
-                <a:solidFill>
-                  <a:schemeClr val="tx1"/>
-                </a:solidFill>
-                <a:latin typeface="Arial" charset="0"/>
-                <a:ea typeface="+mn-ea"/>
-                <a:cs typeface="+mn-cs"/>
-              </a:rPr>
-              <a:t>but not in </a:t>
-            </a:r>
-            <a:r>
-              <a:rPr lang="en-US" sz="1200" b="0" i="1" u="none" strike="noStrike" kern="1200" baseline="0" dirty="0">
-                <a:solidFill>
-                  <a:schemeClr val="tx1"/>
-                </a:solidFill>
-                <a:latin typeface="Arial" charset="0"/>
-                <a:ea typeface="+mn-ea"/>
-                <a:cs typeface="+mn-cs"/>
-              </a:rPr>
-              <a:t>T</a:t>
-            </a:r>
-            <a:r>
-              <a:rPr lang="en-US" sz="1200" b="0" i="0" u="none" strike="noStrike" kern="1200" baseline="0" dirty="0">
-                <a:solidFill>
-                  <a:schemeClr val="tx1"/>
-                </a:solidFill>
-                <a:latin typeface="Arial" charset="0"/>
-                <a:ea typeface="+mn-ea"/>
-                <a:cs typeface="+mn-cs"/>
-              </a:rPr>
-              <a:t>1, based on the timestamp that Alice was admitted to a hospital. From </a:t>
-            </a:r>
-            <a:r>
-              <a:rPr lang="en-US" sz="1200" b="0" i="1" u="none" strike="noStrike" kern="1200" baseline="0" dirty="0">
-                <a:solidFill>
-                  <a:schemeClr val="tx1"/>
-                </a:solidFill>
-                <a:latin typeface="Arial" charset="0"/>
-                <a:ea typeface="+mn-ea"/>
-                <a:cs typeface="+mn-cs"/>
-              </a:rPr>
-              <a:t>T</a:t>
-            </a:r>
-            <a:r>
-              <a:rPr lang="en-US" sz="1200" b="0" i="0" u="none" strike="noStrike" kern="1200" baseline="0" dirty="0">
-                <a:solidFill>
-                  <a:schemeClr val="tx1"/>
-                </a:solidFill>
-                <a:latin typeface="Arial" charset="0"/>
-                <a:ea typeface="+mn-ea"/>
-                <a:cs typeface="+mn-cs"/>
-              </a:rPr>
-              <a:t>2,</a:t>
-            </a:r>
-          </a:p>
-          <a:p>
-            <a:r>
-              <a:rPr lang="en-US" sz="1200" b="0" i="0" u="none" strike="noStrike" kern="1200" baseline="0" dirty="0">
-                <a:solidFill>
-                  <a:schemeClr val="tx1"/>
-                </a:solidFill>
-                <a:latin typeface="Arial" charset="0"/>
-                <a:ea typeface="+mn-ea"/>
-                <a:cs typeface="+mn-cs"/>
-              </a:rPr>
-              <a:t>the attacker can infer that Alice must have contracted either </a:t>
-            </a:r>
-            <a:r>
-              <a:rPr lang="en-US" sz="1200" b="0" i="1" u="none" strike="noStrike" kern="1200" baseline="0" dirty="0">
-                <a:solidFill>
-                  <a:schemeClr val="tx1"/>
-                </a:solidFill>
-                <a:latin typeface="Arial" charset="0"/>
-                <a:ea typeface="+mn-ea"/>
-                <a:cs typeface="+mn-cs"/>
-              </a:rPr>
-              <a:t>Flu</a:t>
-            </a:r>
-            <a:r>
-              <a:rPr lang="en-US" sz="1200" b="0" i="0" u="none" strike="noStrike" kern="1200" baseline="0" dirty="0">
-                <a:solidFill>
-                  <a:schemeClr val="tx1"/>
-                </a:solidFill>
-                <a:latin typeface="Arial" charset="0"/>
-                <a:ea typeface="+mn-ea"/>
-                <a:cs typeface="+mn-cs"/>
-              </a:rPr>
-              <a:t>, </a:t>
-            </a:r>
-            <a:r>
-              <a:rPr lang="en-US" sz="1200" b="0" i="1" u="none" strike="noStrike" kern="1200" baseline="0" dirty="0">
-                <a:solidFill>
-                  <a:schemeClr val="tx1"/>
-                </a:solidFill>
-                <a:latin typeface="Arial" charset="0"/>
-                <a:ea typeface="+mn-ea"/>
-                <a:cs typeface="+mn-cs"/>
-              </a:rPr>
-              <a:t>Fever</a:t>
-            </a:r>
-            <a:r>
-              <a:rPr lang="en-US" sz="1200" b="0" i="0" u="none" strike="noStrike" kern="1200" baseline="0" dirty="0">
-                <a:solidFill>
-                  <a:schemeClr val="tx1"/>
-                </a:solidFill>
-                <a:latin typeface="Arial" charset="0"/>
-                <a:ea typeface="+mn-ea"/>
-                <a:cs typeface="+mn-cs"/>
-              </a:rPr>
-              <a:t>, or </a:t>
-            </a:r>
-            <a:r>
-              <a:rPr lang="en-US" sz="1200" b="0" i="1" u="none" strike="noStrike" kern="1200" baseline="0" dirty="0">
-                <a:solidFill>
-                  <a:schemeClr val="tx1"/>
-                </a:solidFill>
-                <a:latin typeface="Arial" charset="0"/>
-                <a:ea typeface="+mn-ea"/>
-                <a:cs typeface="+mn-cs"/>
-              </a:rPr>
-              <a:t>HIV</a:t>
-            </a:r>
-            <a:r>
-              <a:rPr lang="en-US" sz="1200" b="0" i="0" u="none" strike="noStrike" kern="1200" baseline="0" dirty="0">
-                <a:solidFill>
-                  <a:schemeClr val="tx1"/>
-                </a:solidFill>
-                <a:latin typeface="Arial" charset="0"/>
-                <a:ea typeface="+mn-ea"/>
-                <a:cs typeface="+mn-cs"/>
-              </a:rPr>
-              <a:t>. By</a:t>
-            </a:r>
-          </a:p>
-          <a:p>
-            <a:r>
-              <a:rPr lang="en-US" sz="1200" b="0" i="0" u="none" strike="noStrike" kern="1200" baseline="0" dirty="0">
-                <a:solidFill>
-                  <a:schemeClr val="tx1"/>
-                </a:solidFill>
-                <a:latin typeface="Arial" charset="0"/>
-                <a:ea typeface="+mn-ea"/>
-                <a:cs typeface="+mn-cs"/>
-              </a:rPr>
-              <a:t>comparing </a:t>
-            </a:r>
-            <a:r>
-              <a:rPr lang="en-US" sz="1200" b="0" i="1" u="none" strike="noStrike" kern="1200" baseline="0" dirty="0">
-                <a:solidFill>
-                  <a:schemeClr val="tx1"/>
-                </a:solidFill>
-                <a:latin typeface="Arial" charset="0"/>
-                <a:ea typeface="+mn-ea"/>
-                <a:cs typeface="+mn-cs"/>
-              </a:rPr>
-              <a:t>T</a:t>
-            </a:r>
-            <a:r>
-              <a:rPr lang="en-US" sz="1200" b="0" i="0" u="none" strike="noStrike" kern="1200" baseline="0" dirty="0">
-                <a:solidFill>
-                  <a:schemeClr val="tx1"/>
-                </a:solidFill>
-                <a:latin typeface="Arial" charset="0"/>
-                <a:ea typeface="+mn-ea"/>
-                <a:cs typeface="+mn-cs"/>
-              </a:rPr>
-              <a:t>2 with </a:t>
-            </a:r>
-            <a:r>
-              <a:rPr lang="en-US" sz="1200" b="0" i="1" u="none" strike="noStrike" kern="1200" baseline="0" dirty="0">
-                <a:solidFill>
-                  <a:schemeClr val="tx1"/>
-                </a:solidFill>
-                <a:latin typeface="Arial" charset="0"/>
-                <a:ea typeface="+mn-ea"/>
-                <a:cs typeface="+mn-cs"/>
-              </a:rPr>
-              <a:t>T</a:t>
-            </a:r>
-            <a:r>
-              <a:rPr lang="en-US" sz="1200" b="0" i="0" u="none" strike="noStrike" kern="1200" baseline="0" dirty="0">
-                <a:solidFill>
-                  <a:schemeClr val="tx1"/>
-                </a:solidFill>
-                <a:latin typeface="Arial" charset="0"/>
-                <a:ea typeface="+mn-ea"/>
-                <a:cs typeface="+mn-cs"/>
-              </a:rPr>
-              <a:t>1, the attacker can identify that the first two records in </a:t>
-            </a:r>
-            <a:r>
-              <a:rPr lang="en-US" sz="1200" b="0" i="1" u="none" strike="noStrike" kern="1200" baseline="0" dirty="0">
-                <a:solidFill>
-                  <a:schemeClr val="tx1"/>
-                </a:solidFill>
-                <a:latin typeface="Arial" charset="0"/>
-                <a:ea typeface="+mn-ea"/>
-                <a:cs typeface="+mn-cs"/>
-              </a:rPr>
-              <a:t>T</a:t>
-            </a:r>
-            <a:r>
-              <a:rPr lang="en-US" sz="1200" b="0" i="0" u="none" strike="noStrike" kern="1200" baseline="0" dirty="0">
-                <a:solidFill>
-                  <a:schemeClr val="tx1"/>
-                </a:solidFill>
-                <a:latin typeface="Arial" charset="0"/>
-                <a:ea typeface="+mn-ea"/>
-                <a:cs typeface="+mn-cs"/>
-              </a:rPr>
-              <a:t>2 must</a:t>
-            </a:r>
-          </a:p>
-          <a:p>
-            <a:r>
-              <a:rPr lang="en-US" sz="1200" b="0" i="0" u="none" strike="noStrike" kern="1200" baseline="0" dirty="0">
-                <a:solidFill>
-                  <a:schemeClr val="tx1"/>
-                </a:solidFill>
-                <a:latin typeface="Arial" charset="0"/>
-                <a:ea typeface="+mn-ea"/>
-                <a:cs typeface="+mn-cs"/>
-              </a:rPr>
-              <a:t>be old records from </a:t>
-            </a:r>
-            <a:r>
-              <a:rPr lang="en-US" sz="1200" b="0" i="1" u="none" strike="noStrike" kern="1200" baseline="0" dirty="0">
-                <a:solidFill>
-                  <a:schemeClr val="tx1"/>
-                </a:solidFill>
-                <a:latin typeface="Arial" charset="0"/>
-                <a:ea typeface="+mn-ea"/>
-                <a:cs typeface="+mn-cs"/>
-              </a:rPr>
-              <a:t>T</a:t>
-            </a:r>
-            <a:r>
-              <a:rPr lang="en-US" sz="1200" b="0" i="0" u="none" strike="noStrike" kern="1200" baseline="0" dirty="0">
-                <a:solidFill>
-                  <a:schemeClr val="tx1"/>
-                </a:solidFill>
-                <a:latin typeface="Arial" charset="0"/>
-                <a:ea typeface="+mn-ea"/>
-                <a:cs typeface="+mn-cs"/>
-              </a:rPr>
-              <a:t>1 and, thus, infer that Alice must have contracted </a:t>
-            </a:r>
-            <a:r>
-              <a:rPr lang="en-US" sz="1200" b="0" i="1" u="none" strike="noStrike" kern="1200" baseline="0" dirty="0">
-                <a:solidFill>
-                  <a:schemeClr val="tx1"/>
-                </a:solidFill>
-                <a:latin typeface="Arial" charset="0"/>
-                <a:ea typeface="+mn-ea"/>
-                <a:cs typeface="+mn-cs"/>
-              </a:rPr>
-              <a:t>HIV</a:t>
-            </a:r>
-            <a:r>
-              <a:rPr lang="en-US" sz="1200" b="0" i="0" u="none" strike="noStrike" kern="1200" baseline="0" dirty="0">
-                <a:solidFill>
-                  <a:schemeClr val="tx1"/>
-                </a:solidFill>
-                <a:latin typeface="Arial" charset="0"/>
-                <a:ea typeface="+mn-ea"/>
-                <a:cs typeface="+mn-cs"/>
-              </a:rPr>
-              <a:t>.</a:t>
-            </a:r>
+              <a:rPr lang="en-US" dirty="0"/>
+              <a:t>1</a:t>
+            </a:r>
+            <a:r>
+              <a:rPr lang="en-US" i="1" dirty="0"/>
+              <a:t>, . . . , Tp</a:t>
+            </a:r>
+            <a:r>
+              <a:rPr lang="en-US" dirty="0"/>
+              <a:t>−1 and now wants to publish </a:t>
+            </a:r>
+            <a:r>
+              <a:rPr lang="en-US" i="1" dirty="0" err="1"/>
+              <a:t>Tp</a:t>
+            </a:r>
+            <a:r>
+              <a:rPr lang="en-US" dirty="0"/>
+              <a:t>, where </a:t>
+            </a:r>
+            <a:r>
+              <a:rPr lang="en-US" i="1" dirty="0" err="1"/>
+              <a:t>Ti</a:t>
+            </a:r>
+            <a:r>
+              <a:rPr lang="en-US" i="1" dirty="0"/>
+              <a:t> </a:t>
+            </a:r>
+            <a:r>
+              <a:rPr lang="en-US" dirty="0"/>
+              <a:t>is an updated release of</a:t>
+            </a:r>
+            <a:r>
+              <a:rPr lang="en-US" i="1" dirty="0"/>
+              <a:t>Ti</a:t>
+            </a:r>
+            <a:r>
+              <a:rPr lang="en-US" dirty="0"/>
+              <a:t>−1 with record insertions and/or deletions </a:t>
+            </a:r>
+          </a:p>
+          <a:p>
             <a:endParaRPr lang="de-DE" dirty="0"/>
           </a:p>
         </p:txBody>
@@ -2467,6 +2119,515 @@
               <a:pPr>
                 <a:defRPr/>
               </a:pPr>
+              <a:t>9</a:t>
+            </a:fld>
+            <a:endParaRPr lang="de-DE" dirty="0"/>
+          </a:p>
+        </p:txBody>
+      </p:sp>
+    </p:spTree>
+    <p:extLst>
+      <p:ext uri="{BB962C8B-B14F-4D97-AF65-F5344CB8AC3E}">
+        <p14:creationId xmlns:p14="http://schemas.microsoft.com/office/powerpoint/2010/main" val="1499043106"/>
+      </p:ext>
+    </p:extLst>
+  </p:cSld>
+  <p:clrMapOvr>
+    <a:masterClrMapping/>
+  </p:clrMapOvr>
+</p:notes>
+</file>
+
+<file path=ppt/notesSlides/notesSlide7.xml><?xml version="1.0" encoding="utf-8"?>
+<p:notes xmlns:a="http://schemas.openxmlformats.org/drawingml/2006/main" xmlns:r="http://schemas.openxmlformats.org/officeDocument/2006/relationships" xmlns:p="http://schemas.openxmlformats.org/presentationml/2006/main">
+  <p:cSld>
+    <p:spTree>
+      <p:nvGrpSpPr>
+        <p:cNvPr id="1" name=""/>
+        <p:cNvGrpSpPr/>
+        <p:nvPr/>
+      </p:nvGrpSpPr>
+      <p:grpSpPr>
+        <a:xfrm>
+          <a:off x="0" y="0"/>
+          <a:ext cx="0" cy="0"/>
+          <a:chOff x="0" y="0"/>
+          <a:chExt cx="0" cy="0"/>
+        </a:xfrm>
+      </p:grpSpPr>
+      <p:sp>
+        <p:nvSpPr>
+          <p:cNvPr id="2" name="Folienbildplatzhalter 1"/>
+          <p:cNvSpPr>
+            <a:spLocks noGrp="1" noRot="1" noChangeAspect="1"/>
+          </p:cNvSpPr>
+          <p:nvPr>
+            <p:ph type="sldImg"/>
+          </p:nvPr>
+        </p:nvSpPr>
+        <p:spPr/>
+      </p:sp>
+      <p:sp>
+        <p:nvSpPr>
+          <p:cNvPr id="3" name="Notizenplatzhalter 2"/>
+          <p:cNvSpPr>
+            <a:spLocks noGrp="1"/>
+          </p:cNvSpPr>
+          <p:nvPr>
+            <p:ph type="body" idx="1"/>
+          </p:nvPr>
+        </p:nvSpPr>
+        <p:spPr/>
+        <p:txBody>
+          <a:bodyPr/>
+          <a:lstStyle/>
+          <a:p>
+            <a:r>
+              <a:rPr lang="en-US" sz="1200" b="0" i="0" u="none" strike="noStrike" kern="1200" baseline="0" dirty="0">
+                <a:solidFill>
+                  <a:schemeClr val="tx1"/>
+                </a:solidFill>
+                <a:latin typeface="Arial" charset="0"/>
+                <a:ea typeface="+mn-ea"/>
+                <a:cs typeface="+mn-cs"/>
+              </a:rPr>
+              <a:t>Let Table VIII(a) be the first release </a:t>
+            </a:r>
+            <a:r>
+              <a:rPr lang="en-US" sz="1200" b="0" i="1" u="none" strike="noStrike" kern="1200" baseline="0" dirty="0">
+                <a:solidFill>
+                  <a:schemeClr val="tx1"/>
+                </a:solidFill>
+                <a:latin typeface="Arial" charset="0"/>
+                <a:ea typeface="+mn-ea"/>
+                <a:cs typeface="+mn-cs"/>
+              </a:rPr>
+              <a:t>T</a:t>
+            </a:r>
+            <a:r>
+              <a:rPr lang="en-US" sz="1200" b="0" i="0" u="none" strike="noStrike" kern="1200" baseline="0" dirty="0">
+                <a:solidFill>
+                  <a:schemeClr val="tx1"/>
+                </a:solidFill>
+                <a:latin typeface="Arial" charset="0"/>
+                <a:ea typeface="+mn-ea"/>
+                <a:cs typeface="+mn-cs"/>
+              </a:rPr>
+              <a:t>1. Let Table VIII(b) be the</a:t>
+            </a:r>
+          </a:p>
+          <a:p>
+            <a:r>
+              <a:rPr lang="en-US" sz="1200" b="0" i="0" u="none" strike="noStrike" kern="1200" baseline="0" dirty="0">
+                <a:solidFill>
+                  <a:schemeClr val="tx1"/>
+                </a:solidFill>
+                <a:latin typeface="Arial" charset="0"/>
+                <a:ea typeface="+mn-ea"/>
+                <a:cs typeface="+mn-cs"/>
+              </a:rPr>
+              <a:t>second release </a:t>
+            </a:r>
+            <a:r>
+              <a:rPr lang="en-US" sz="1200" b="0" i="1" u="none" strike="noStrike" kern="1200" baseline="0" dirty="0">
+                <a:solidFill>
+                  <a:schemeClr val="tx1"/>
+                </a:solidFill>
+                <a:latin typeface="Arial" charset="0"/>
+                <a:ea typeface="+mn-ea"/>
+                <a:cs typeface="+mn-cs"/>
+              </a:rPr>
+              <a:t>T</a:t>
+            </a:r>
+            <a:r>
+              <a:rPr lang="en-US" sz="1200" b="0" i="0" u="none" strike="noStrike" kern="1200" baseline="0" dirty="0">
+                <a:solidFill>
+                  <a:schemeClr val="tx1"/>
+                </a:solidFill>
+                <a:latin typeface="Arial" charset="0"/>
+                <a:ea typeface="+mn-ea"/>
+                <a:cs typeface="+mn-cs"/>
+              </a:rPr>
+              <a:t>2 after inserting a new record. Both </a:t>
+            </a:r>
+            <a:r>
+              <a:rPr lang="en-US" sz="1200" b="0" i="1" u="none" strike="noStrike" kern="1200" baseline="0" dirty="0">
+                <a:solidFill>
+                  <a:schemeClr val="tx1"/>
+                </a:solidFill>
+                <a:latin typeface="Arial" charset="0"/>
+                <a:ea typeface="+mn-ea"/>
+                <a:cs typeface="+mn-cs"/>
+              </a:rPr>
+              <a:t>T</a:t>
+            </a:r>
+            <a:r>
+              <a:rPr lang="en-US" sz="1200" b="0" i="0" u="none" strike="noStrike" kern="1200" baseline="0" dirty="0">
+                <a:solidFill>
+                  <a:schemeClr val="tx1"/>
+                </a:solidFill>
+                <a:latin typeface="Arial" charset="0"/>
+                <a:ea typeface="+mn-ea"/>
+                <a:cs typeface="+mn-cs"/>
+              </a:rPr>
+              <a:t>1 and </a:t>
+            </a:r>
+            <a:r>
+              <a:rPr lang="en-US" sz="1200" b="0" i="1" u="none" strike="noStrike" kern="1200" baseline="0" dirty="0">
+                <a:solidFill>
+                  <a:schemeClr val="tx1"/>
+                </a:solidFill>
+                <a:latin typeface="Arial" charset="0"/>
+                <a:ea typeface="+mn-ea"/>
+                <a:cs typeface="+mn-cs"/>
+              </a:rPr>
+              <a:t>T</a:t>
+            </a:r>
+            <a:r>
+              <a:rPr lang="en-US" sz="1200" b="0" i="0" u="none" strike="noStrike" kern="1200" baseline="0" dirty="0">
+                <a:solidFill>
+                  <a:schemeClr val="tx1"/>
+                </a:solidFill>
+                <a:latin typeface="Arial" charset="0"/>
+                <a:ea typeface="+mn-ea"/>
+                <a:cs typeface="+mn-cs"/>
+              </a:rPr>
+              <a:t>2 satisfy 2-diversity independently.</a:t>
+            </a:r>
+          </a:p>
+          <a:p>
+            <a:r>
+              <a:rPr lang="en-US" sz="1200" b="0" i="0" u="none" strike="noStrike" kern="1200" baseline="0" dirty="0">
+                <a:solidFill>
+                  <a:schemeClr val="tx1"/>
+                </a:solidFill>
+                <a:latin typeface="Arial" charset="0"/>
+                <a:ea typeface="+mn-ea"/>
+                <a:cs typeface="+mn-cs"/>
+              </a:rPr>
+              <a:t>Suppose the attacker knows that a female lawyer, Alice, has a record in </a:t>
+            </a:r>
+            <a:r>
+              <a:rPr lang="en-US" sz="1200" b="0" i="1" u="none" strike="noStrike" kern="1200" baseline="0" dirty="0">
+                <a:solidFill>
+                  <a:schemeClr val="tx1"/>
+                </a:solidFill>
+                <a:latin typeface="Arial" charset="0"/>
+                <a:ea typeface="+mn-ea"/>
+                <a:cs typeface="+mn-cs"/>
+              </a:rPr>
+              <a:t>T</a:t>
+            </a:r>
+            <a:r>
+              <a:rPr lang="en-US" sz="1200" b="0" i="0" u="none" strike="noStrike" kern="1200" baseline="0" dirty="0">
+                <a:solidFill>
+                  <a:schemeClr val="tx1"/>
+                </a:solidFill>
+                <a:latin typeface="Arial" charset="0"/>
+                <a:ea typeface="+mn-ea"/>
+                <a:cs typeface="+mn-cs"/>
+              </a:rPr>
+              <a:t>2</a:t>
+            </a:r>
+          </a:p>
+          <a:p>
+            <a:r>
+              <a:rPr lang="en-US" sz="1200" b="0" i="0" u="none" strike="noStrike" kern="1200" baseline="0" dirty="0">
+                <a:solidFill>
+                  <a:schemeClr val="tx1"/>
+                </a:solidFill>
+                <a:latin typeface="Arial" charset="0"/>
+                <a:ea typeface="+mn-ea"/>
+                <a:cs typeface="+mn-cs"/>
+              </a:rPr>
+              <a:t>but not in </a:t>
+            </a:r>
+            <a:r>
+              <a:rPr lang="en-US" sz="1200" b="0" i="1" u="none" strike="noStrike" kern="1200" baseline="0" dirty="0">
+                <a:solidFill>
+                  <a:schemeClr val="tx1"/>
+                </a:solidFill>
+                <a:latin typeface="Arial" charset="0"/>
+                <a:ea typeface="+mn-ea"/>
+                <a:cs typeface="+mn-cs"/>
+              </a:rPr>
+              <a:t>T</a:t>
+            </a:r>
+            <a:r>
+              <a:rPr lang="en-US" sz="1200" b="0" i="0" u="none" strike="noStrike" kern="1200" baseline="0" dirty="0">
+                <a:solidFill>
+                  <a:schemeClr val="tx1"/>
+                </a:solidFill>
+                <a:latin typeface="Arial" charset="0"/>
+                <a:ea typeface="+mn-ea"/>
+                <a:cs typeface="+mn-cs"/>
+              </a:rPr>
+              <a:t>1, based on the timestamp that Alice was admitted to a hospital. From </a:t>
+            </a:r>
+            <a:r>
+              <a:rPr lang="en-US" sz="1200" b="0" i="1" u="none" strike="noStrike" kern="1200" baseline="0" dirty="0">
+                <a:solidFill>
+                  <a:schemeClr val="tx1"/>
+                </a:solidFill>
+                <a:latin typeface="Arial" charset="0"/>
+                <a:ea typeface="+mn-ea"/>
+                <a:cs typeface="+mn-cs"/>
+              </a:rPr>
+              <a:t>T</a:t>
+            </a:r>
+            <a:r>
+              <a:rPr lang="en-US" sz="1200" b="0" i="0" u="none" strike="noStrike" kern="1200" baseline="0" dirty="0">
+                <a:solidFill>
+                  <a:schemeClr val="tx1"/>
+                </a:solidFill>
+                <a:latin typeface="Arial" charset="0"/>
+                <a:ea typeface="+mn-ea"/>
+                <a:cs typeface="+mn-cs"/>
+              </a:rPr>
+              <a:t>2,</a:t>
+            </a:r>
+          </a:p>
+          <a:p>
+            <a:r>
+              <a:rPr lang="en-US" sz="1200" b="0" i="0" u="none" strike="noStrike" kern="1200" baseline="0" dirty="0">
+                <a:solidFill>
+                  <a:schemeClr val="tx1"/>
+                </a:solidFill>
+                <a:latin typeface="Arial" charset="0"/>
+                <a:ea typeface="+mn-ea"/>
+                <a:cs typeface="+mn-cs"/>
+              </a:rPr>
+              <a:t>the attacker can infer that Alice must have contracted either </a:t>
+            </a:r>
+            <a:r>
+              <a:rPr lang="en-US" sz="1200" b="0" i="1" u="none" strike="noStrike" kern="1200" baseline="0" dirty="0">
+                <a:solidFill>
+                  <a:schemeClr val="tx1"/>
+                </a:solidFill>
+                <a:latin typeface="Arial" charset="0"/>
+                <a:ea typeface="+mn-ea"/>
+                <a:cs typeface="+mn-cs"/>
+              </a:rPr>
+              <a:t>Flu</a:t>
+            </a:r>
+            <a:r>
+              <a:rPr lang="en-US" sz="1200" b="0" i="0" u="none" strike="noStrike" kern="1200" baseline="0" dirty="0">
+                <a:solidFill>
+                  <a:schemeClr val="tx1"/>
+                </a:solidFill>
+                <a:latin typeface="Arial" charset="0"/>
+                <a:ea typeface="+mn-ea"/>
+                <a:cs typeface="+mn-cs"/>
+              </a:rPr>
+              <a:t>, </a:t>
+            </a:r>
+            <a:r>
+              <a:rPr lang="en-US" sz="1200" b="0" i="1" u="none" strike="noStrike" kern="1200" baseline="0" dirty="0">
+                <a:solidFill>
+                  <a:schemeClr val="tx1"/>
+                </a:solidFill>
+                <a:latin typeface="Arial" charset="0"/>
+                <a:ea typeface="+mn-ea"/>
+                <a:cs typeface="+mn-cs"/>
+              </a:rPr>
+              <a:t>Fever</a:t>
+            </a:r>
+            <a:r>
+              <a:rPr lang="en-US" sz="1200" b="0" i="0" u="none" strike="noStrike" kern="1200" baseline="0" dirty="0">
+                <a:solidFill>
+                  <a:schemeClr val="tx1"/>
+                </a:solidFill>
+                <a:latin typeface="Arial" charset="0"/>
+                <a:ea typeface="+mn-ea"/>
+                <a:cs typeface="+mn-cs"/>
+              </a:rPr>
+              <a:t>, or </a:t>
+            </a:r>
+            <a:r>
+              <a:rPr lang="en-US" sz="1200" b="0" i="1" u="none" strike="noStrike" kern="1200" baseline="0" dirty="0">
+                <a:solidFill>
+                  <a:schemeClr val="tx1"/>
+                </a:solidFill>
+                <a:latin typeface="Arial" charset="0"/>
+                <a:ea typeface="+mn-ea"/>
+                <a:cs typeface="+mn-cs"/>
+              </a:rPr>
+              <a:t>HIV</a:t>
+            </a:r>
+            <a:r>
+              <a:rPr lang="en-US" sz="1200" b="0" i="0" u="none" strike="noStrike" kern="1200" baseline="0" dirty="0">
+                <a:solidFill>
+                  <a:schemeClr val="tx1"/>
+                </a:solidFill>
+                <a:latin typeface="Arial" charset="0"/>
+                <a:ea typeface="+mn-ea"/>
+                <a:cs typeface="+mn-cs"/>
+              </a:rPr>
+              <a:t>. By</a:t>
+            </a:r>
+          </a:p>
+          <a:p>
+            <a:r>
+              <a:rPr lang="en-US" sz="1200" b="0" i="0" u="none" strike="noStrike" kern="1200" baseline="0" dirty="0">
+                <a:solidFill>
+                  <a:schemeClr val="tx1"/>
+                </a:solidFill>
+                <a:latin typeface="Arial" charset="0"/>
+                <a:ea typeface="+mn-ea"/>
+                <a:cs typeface="+mn-cs"/>
+              </a:rPr>
+              <a:t>comparing </a:t>
+            </a:r>
+            <a:r>
+              <a:rPr lang="en-US" sz="1200" b="0" i="1" u="none" strike="noStrike" kern="1200" baseline="0" dirty="0">
+                <a:solidFill>
+                  <a:schemeClr val="tx1"/>
+                </a:solidFill>
+                <a:latin typeface="Arial" charset="0"/>
+                <a:ea typeface="+mn-ea"/>
+                <a:cs typeface="+mn-cs"/>
+              </a:rPr>
+              <a:t>T</a:t>
+            </a:r>
+            <a:r>
+              <a:rPr lang="en-US" sz="1200" b="0" i="0" u="none" strike="noStrike" kern="1200" baseline="0" dirty="0">
+                <a:solidFill>
+                  <a:schemeClr val="tx1"/>
+                </a:solidFill>
+                <a:latin typeface="Arial" charset="0"/>
+                <a:ea typeface="+mn-ea"/>
+                <a:cs typeface="+mn-cs"/>
+              </a:rPr>
+              <a:t>2 with </a:t>
+            </a:r>
+            <a:r>
+              <a:rPr lang="en-US" sz="1200" b="0" i="1" u="none" strike="noStrike" kern="1200" baseline="0" dirty="0">
+                <a:solidFill>
+                  <a:schemeClr val="tx1"/>
+                </a:solidFill>
+                <a:latin typeface="Arial" charset="0"/>
+                <a:ea typeface="+mn-ea"/>
+                <a:cs typeface="+mn-cs"/>
+              </a:rPr>
+              <a:t>T</a:t>
+            </a:r>
+            <a:r>
+              <a:rPr lang="en-US" sz="1200" b="0" i="0" u="none" strike="noStrike" kern="1200" baseline="0" dirty="0">
+                <a:solidFill>
+                  <a:schemeClr val="tx1"/>
+                </a:solidFill>
+                <a:latin typeface="Arial" charset="0"/>
+                <a:ea typeface="+mn-ea"/>
+                <a:cs typeface="+mn-cs"/>
+              </a:rPr>
+              <a:t>1, the attacker can identify that the first two records in </a:t>
+            </a:r>
+            <a:r>
+              <a:rPr lang="en-US" sz="1200" b="0" i="1" u="none" strike="noStrike" kern="1200" baseline="0" dirty="0">
+                <a:solidFill>
+                  <a:schemeClr val="tx1"/>
+                </a:solidFill>
+                <a:latin typeface="Arial" charset="0"/>
+                <a:ea typeface="+mn-ea"/>
+                <a:cs typeface="+mn-cs"/>
+              </a:rPr>
+              <a:t>T</a:t>
+            </a:r>
+            <a:r>
+              <a:rPr lang="en-US" sz="1200" b="0" i="0" u="none" strike="noStrike" kern="1200" baseline="0" dirty="0">
+                <a:solidFill>
+                  <a:schemeClr val="tx1"/>
+                </a:solidFill>
+                <a:latin typeface="Arial" charset="0"/>
+                <a:ea typeface="+mn-ea"/>
+                <a:cs typeface="+mn-cs"/>
+              </a:rPr>
+              <a:t>2 must</a:t>
+            </a:r>
+          </a:p>
+          <a:p>
+            <a:r>
+              <a:rPr lang="en-US" sz="1200" b="0" i="0" u="none" strike="noStrike" kern="1200" baseline="0" dirty="0">
+                <a:solidFill>
+                  <a:schemeClr val="tx1"/>
+                </a:solidFill>
+                <a:latin typeface="Arial" charset="0"/>
+                <a:ea typeface="+mn-ea"/>
+                <a:cs typeface="+mn-cs"/>
+              </a:rPr>
+              <a:t>be old records from </a:t>
+            </a:r>
+            <a:r>
+              <a:rPr lang="en-US" sz="1200" b="0" i="1" u="none" strike="noStrike" kern="1200" baseline="0" dirty="0">
+                <a:solidFill>
+                  <a:schemeClr val="tx1"/>
+                </a:solidFill>
+                <a:latin typeface="Arial" charset="0"/>
+                <a:ea typeface="+mn-ea"/>
+                <a:cs typeface="+mn-cs"/>
+              </a:rPr>
+              <a:t>T</a:t>
+            </a:r>
+            <a:r>
+              <a:rPr lang="en-US" sz="1200" b="0" i="0" u="none" strike="noStrike" kern="1200" baseline="0" dirty="0">
+                <a:solidFill>
+                  <a:schemeClr val="tx1"/>
+                </a:solidFill>
+                <a:latin typeface="Arial" charset="0"/>
+                <a:ea typeface="+mn-ea"/>
+                <a:cs typeface="+mn-cs"/>
+              </a:rPr>
+              <a:t>1 and, thus, infer that Alice must have contracted </a:t>
+            </a:r>
+            <a:r>
+              <a:rPr lang="en-US" sz="1200" b="0" i="1" u="none" strike="noStrike" kern="1200" baseline="0" dirty="0">
+                <a:solidFill>
+                  <a:schemeClr val="tx1"/>
+                </a:solidFill>
+                <a:latin typeface="Arial" charset="0"/>
+                <a:ea typeface="+mn-ea"/>
+                <a:cs typeface="+mn-cs"/>
+              </a:rPr>
+              <a:t>HIV</a:t>
+            </a:r>
+            <a:r>
+              <a:rPr lang="en-US" sz="1200" b="0" i="0" u="none" strike="noStrike" kern="1200" baseline="0" dirty="0">
+                <a:solidFill>
+                  <a:schemeClr val="tx1"/>
+                </a:solidFill>
+                <a:latin typeface="Arial" charset="0"/>
+                <a:ea typeface="+mn-ea"/>
+                <a:cs typeface="+mn-cs"/>
+              </a:rPr>
+              <a:t>.</a:t>
+            </a:r>
+            <a:endParaRPr lang="de-DE" dirty="0"/>
+          </a:p>
+        </p:txBody>
+      </p:sp>
+      <p:sp>
+        <p:nvSpPr>
+          <p:cNvPr id="4" name="Foliennummernplatzhalter 3"/>
+          <p:cNvSpPr>
+            <a:spLocks noGrp="1"/>
+          </p:cNvSpPr>
+          <p:nvPr>
+            <p:ph type="sldNum" sz="quarter" idx="10"/>
+          </p:nvPr>
+        </p:nvSpPr>
+        <p:spPr/>
+        <p:txBody>
+          <a:bodyPr/>
+          <a:lstStyle/>
+          <a:p>
+            <a:pPr>
+              <a:defRPr/>
+            </a:pPr>
+            <a:fld id="{4351B0B5-D942-48DD-B88D-7AC11D76AF21}" type="slidenum">
+              <a:rPr lang="de-DE" smtClean="0"/>
+              <a:pPr>
+                <a:defRPr/>
+              </a:pPr>
               <a:t>10</a:t>
             </a:fld>
             <a:endParaRPr lang="de-DE" dirty="0"/>
@@ -2486,7 +2647,7 @@
 </p:notes>
 </file>
 
-<file path=ppt/notesSlides/notesSlide7.xml><?xml version="1.0" encoding="utf-8"?>
+<file path=ppt/notesSlides/notesSlide8.xml><?xml version="1.0" encoding="utf-8"?>
 <p:notes xmlns:a="http://schemas.openxmlformats.org/drawingml/2006/main" xmlns:r="http://schemas.openxmlformats.org/officeDocument/2006/relationships" xmlns:p="http://schemas.openxmlformats.org/presentationml/2006/main">
   <p:cSld>
     <p:spTree>
@@ -7382,7 +7543,7 @@
             </a:r>
             <a:r>
               <a:rPr lang="en-US" sz="1400" b="1" dirty="0"/>
-              <a:t>-Anonymity and –Diversity, </a:t>
+              <a:t>-Anonymity and l–Diversity, </a:t>
             </a:r>
             <a:r>
               <a:rPr lang="de-DE" sz="1400" dirty="0"/>
@@ -11806,7 +11967,7 @@
           <a:p>
             <a:r>
               <a:rPr lang="en-US" dirty="0"/>
-              <a:t>In the model of continuous data publishing, the data publisher has previously published </a:t>
+              <a:t>the data publisher has previously published </a:t>
             </a:r>
             <a:r>
               <a:rPr lang="en-US" i="1" dirty="0"/>
@@ -11822,10 +11983,12 @@
             </a:r>
             <a:r>
               <a:rPr lang="en-US" dirty="0"/>
-              <a:t>−1 and now wants to publish </a:t>
-            </a:r>
-            <a:r>
-              <a:rPr lang="en-US" i="1" dirty="0"/>
+              <a:t>−1</a:t>
+            </a:r>
+          </a:p>
+          <a:p>
+            <a:r>
+              <a:rPr lang="en-US" i="1" dirty="0" err="1"/>
               <a:t>Tp</a:t>
             </a:r>
             <a:r>
@@ -11846,7 +12009,7 @@
             </a:r>
             <a:r>
               <a:rPr lang="en-US" dirty="0"/>
-              <a:t>−1 with record insertions and/or deletions. </a:t>
+              <a:t>−1 with record insertions and/or deletions </a:t>
             </a:r>
           </a:p>
           <a:p>
@@ -11871,9 +12034,10 @@
               <a:t>is individually anonymous, the privacy requirement could be compromised by comparing different releases and eliminating some possible sensitive values for a </a:t>
             </a:r>
             <a:r>
-              <a:rPr lang="de-DE" dirty="0"/>
-              <a:t>victim.</a:t>
-            </a:r>
+              <a:rPr lang="de-DE" dirty="0" err="1"/>
+              <a:t>victim</a:t>
+            </a:r>
+            <a:endParaRPr lang="de-DE" dirty="0"/>
           </a:p>
         </p:txBody>
       </p:sp>
